--- a/lab_content/Lab_01_Slides.pptx
+++ b/lab_content/Lab_01_Slides.pptx
@@ -237,7 +237,7 @@
           <a:p>
             <a:fld id="{A625B73A-AD1C-46F8-8E9D-607293466F82}" type="datetimeFigureOut">
               <a:rPr lang="en-US" smtClean="0"/>
-              <a:t>9/14/2024</a:t>
+              <a:t>9/17/2024</a:t>
             </a:fld>
             <a:endParaRPr lang="en-US"/>
           </a:p>
@@ -1328,8 +1328,8 @@
               </a:lnSpc>
             </a:pPr>
             <a:r>
-              <a:rPr lang="en-US" spc="10"/>
-              <a:t>Winter 2023</a:t>
+              <a:rPr lang="en-US" spc="10" smtClean="0"/>
+              <a:t>Winter 2024</a:t>
             </a:r>
             <a:endParaRPr spc="-20" dirty="0"/>
           </a:p>
@@ -1538,8 +1538,8 @@
               </a:lnSpc>
             </a:pPr>
             <a:r>
-              <a:rPr lang="en-US" spc="10"/>
-              <a:t>Winter 2023</a:t>
+              <a:rPr lang="en-US" spc="10" smtClean="0"/>
+              <a:t>Winter 2024</a:t>
             </a:r>
             <a:endParaRPr spc="-20" dirty="0"/>
           </a:p>
@@ -1787,8 +1787,8 @@
               </a:lnSpc>
             </a:pPr>
             <a:r>
-              <a:rPr lang="en-US" spc="10"/>
-              <a:t>Winter 2023</a:t>
+              <a:rPr lang="en-US" spc="10" smtClean="0"/>
+              <a:t>Winter 2024</a:t>
             </a:r>
             <a:endParaRPr spc="-20" dirty="0"/>
           </a:p>
@@ -1970,8 +1970,8 @@
               </a:lnSpc>
             </a:pPr>
             <a:r>
-              <a:rPr lang="en-US" spc="10"/>
-              <a:t>Winter 2023</a:t>
+              <a:rPr lang="en-US" spc="10" smtClean="0"/>
+              <a:t>Winter 2024</a:t>
             </a:r>
             <a:endParaRPr spc="-20" dirty="0"/>
           </a:p>
@@ -2124,8 +2124,8 @@
               </a:lnSpc>
             </a:pPr>
             <a:r>
-              <a:rPr lang="en-US" spc="10"/>
-              <a:t>Winter 2023</a:t>
+              <a:rPr lang="en-US" spc="10" smtClean="0"/>
+              <a:t>Winter 2024</a:t>
             </a:r>
             <a:endParaRPr spc="-20" dirty="0"/>
           </a:p>
@@ -2454,8 +2454,8 @@
               </a:lnSpc>
             </a:pPr>
             <a:r>
-              <a:rPr lang="en-US" spc="10"/>
-              <a:t>Winter 2023</a:t>
+              <a:rPr lang="en-US" spc="10" smtClean="0"/>
+              <a:t>Winter 2024</a:t>
             </a:r>
             <a:endParaRPr spc="-20" dirty="0"/>
           </a:p>
@@ -3901,8 +3901,8 @@
               </a:lnSpc>
             </a:pPr>
             <a:r>
-              <a:rPr lang="en-US" spc="10"/>
-              <a:t>Winter 2023</a:t>
+              <a:rPr lang="en-US" spc="10" smtClean="0"/>
+              <a:t>Winter 2024</a:t>
             </a:r>
             <a:endParaRPr spc="-20" dirty="0"/>
           </a:p>
@@ -4694,8 +4694,8 @@
               </a:lnSpc>
             </a:pPr>
             <a:r>
-              <a:rPr lang="en-US" spc="10"/>
-              <a:t>Winter 2023</a:t>
+              <a:rPr lang="en-US" spc="10" smtClean="0"/>
+              <a:t>Winter 2024</a:t>
             </a:r>
             <a:endParaRPr spc="-20" dirty="0"/>
           </a:p>
@@ -6070,8 +6070,8 @@
               </a:lnSpc>
             </a:pPr>
             <a:r>
-              <a:rPr lang="en-US" spc="10"/>
-              <a:t>Winter 2023</a:t>
+              <a:rPr lang="en-US" spc="10" smtClean="0"/>
+              <a:t>Winter 2024</a:t>
             </a:r>
             <a:endParaRPr spc="-20" dirty="0"/>
           </a:p>
@@ -6271,8 +6271,8 @@
               </a:lnSpc>
             </a:pPr>
             <a:r>
-              <a:rPr lang="en-US" spc="10"/>
-              <a:t>Winter 2023</a:t>
+              <a:rPr lang="en-US" spc="10" smtClean="0"/>
+              <a:t>Winter 2024</a:t>
             </a:r>
             <a:endParaRPr lang="en-US" spc="-20" dirty="0"/>
           </a:p>
@@ -8628,8 +8628,8 @@
               </a:lnSpc>
             </a:pPr>
             <a:r>
-              <a:rPr lang="en-US" spc="10"/>
-              <a:t>Winter 2023</a:t>
+              <a:rPr lang="en-US" spc="10" smtClean="0"/>
+              <a:t>Winter 2024</a:t>
             </a:r>
             <a:endParaRPr spc="-20" dirty="0"/>
           </a:p>
@@ -10109,8 +10109,8 @@
               </a:lnSpc>
             </a:pPr>
             <a:r>
-              <a:rPr lang="en-US" spc="10"/>
-              <a:t>Winter 2023</a:t>
+              <a:rPr lang="en-US" spc="10" smtClean="0"/>
+              <a:t>Winter 2024</a:t>
             </a:r>
             <a:endParaRPr spc="-20" dirty="0"/>
           </a:p>
@@ -11153,8 +11153,8 @@
               </a:lnSpc>
             </a:pPr>
             <a:r>
-              <a:rPr lang="en-US" spc="10"/>
-              <a:t>Winter 2023</a:t>
+              <a:rPr lang="en-US" spc="10" smtClean="0"/>
+              <a:t>Winter 2024</a:t>
             </a:r>
             <a:endParaRPr spc="-20" dirty="0"/>
           </a:p>
@@ -12921,8 +12921,8 @@
               </a:lnSpc>
             </a:pPr>
             <a:r>
-              <a:rPr lang="en-US" spc="10"/>
-              <a:t>Winter 2023</a:t>
+              <a:rPr lang="en-US" spc="10" smtClean="0"/>
+              <a:t>Winter 2024</a:t>
             </a:r>
             <a:endParaRPr spc="-20" dirty="0"/>
           </a:p>
@@ -14434,8 +14434,8 @@
               </a:lnSpc>
             </a:pPr>
             <a:r>
-              <a:rPr lang="en-US" spc="10"/>
-              <a:t>Winter 2023</a:t>
+              <a:rPr lang="en-US" spc="10" smtClean="0"/>
+              <a:t>Winter 2024</a:t>
             </a:r>
             <a:endParaRPr spc="-20" dirty="0"/>
           </a:p>
@@ -16358,8 +16358,8 @@
               </a:lnSpc>
             </a:pPr>
             <a:r>
-              <a:rPr lang="en-US" spc="10"/>
-              <a:t>Winter 2023</a:t>
+              <a:rPr lang="en-US" spc="10" smtClean="0"/>
+              <a:t>Winter 2024</a:t>
             </a:r>
             <a:endParaRPr spc="-20" dirty="0"/>
           </a:p>
@@ -17986,8 +17986,8 @@
               </a:lnSpc>
             </a:pPr>
             <a:r>
-              <a:rPr lang="en-US" spc="10"/>
-              <a:t>Winter 2023</a:t>
+              <a:rPr lang="en-US" spc="10" smtClean="0"/>
+              <a:t>Winter 2024</a:t>
             </a:r>
             <a:endParaRPr spc="-20" dirty="0"/>
           </a:p>
@@ -18883,8 +18883,8 @@
               </a:lnSpc>
             </a:pPr>
             <a:r>
-              <a:rPr lang="en-US" spc="10"/>
-              <a:t>Winter 2023</a:t>
+              <a:rPr lang="en-US" spc="10" smtClean="0"/>
+              <a:t>Winter 2024</a:t>
             </a:r>
             <a:endParaRPr spc="-20" dirty="0"/>
           </a:p>
@@ -20531,8 +20531,8 @@
               </a:lnSpc>
             </a:pPr>
             <a:r>
-              <a:rPr lang="en-US" spc="10"/>
-              <a:t>Winter 2023</a:t>
+              <a:rPr lang="en-US" spc="10" smtClean="0"/>
+              <a:t>Winter 2024</a:t>
             </a:r>
             <a:endParaRPr spc="-20" dirty="0"/>
           </a:p>
@@ -21858,8 +21858,8 @@
               </a:lnSpc>
             </a:pPr>
             <a:r>
-              <a:rPr lang="en-US" spc="10"/>
-              <a:t>Winter 2023</a:t>
+              <a:rPr lang="en-US" spc="10" smtClean="0"/>
+              <a:t>Winter 2024</a:t>
             </a:r>
             <a:endParaRPr spc="-20" dirty="0"/>
           </a:p>
@@ -21908,6 +21908,50 @@
               <a:rPr lang="en-US" dirty="0"/>
               <a:t>Nabil</a:t>
             </a:r>
+          </a:p>
+        </p:txBody>
+      </p:sp>
+      <p:sp>
+        <p:nvSpPr>
+          <p:cNvPr id="11" name="Slide Number Placeholder 10"/>
+          <p:cNvSpPr>
+            <a:spLocks noGrp="1"/>
+          </p:cNvSpPr>
+          <p:nvPr>
+            <p:ph type="sldNum" sz="quarter" idx="7"/>
+          </p:nvPr>
+        </p:nvSpPr>
+        <p:spPr/>
+        <p:txBody>
+          <a:bodyPr/>
+          <a:lstStyle/>
+          <a:p>
+            <a:pPr marL="38100">
+              <a:lnSpc>
+                <a:spcPts val="675"/>
+              </a:lnSpc>
+            </a:pPr>
+            <a:fld id="{81D60167-4931-47E6-BA6A-407CBD079E47}" type="slidenum">
+              <a:rPr lang="en-US" spc="-20" smtClean="0"/>
+              <a:t>21</a:t>
+            </a:fld>
+            <a:r>
+              <a:rPr lang="en-US" spc="20" smtClean="0"/>
+              <a:t> </a:t>
+            </a:r>
+            <a:r>
+              <a:rPr lang="en-US" spc="150" smtClean="0"/>
+              <a:t>/</a:t>
+            </a:r>
+            <a:r>
+              <a:rPr lang="en-US" spc="20" smtClean="0"/>
+              <a:t> </a:t>
+            </a:r>
+            <a:r>
+              <a:rPr lang="en-US" spc="-20" smtClean="0"/>
+              <a:t>19</a:t>
+            </a:r>
+            <a:endParaRPr lang="en-US" spc="-20" dirty="0"/>
           </a:p>
         </p:txBody>
       </p:sp>
@@ -23193,8 +23237,8 @@
               </a:lnSpc>
             </a:pPr>
             <a:r>
-              <a:rPr lang="en-US" spc="10"/>
-              <a:t>Winter 2023</a:t>
+              <a:rPr lang="en-US" spc="10" smtClean="0"/>
+              <a:t>Winter 2024</a:t>
             </a:r>
             <a:endParaRPr spc="-20" dirty="0"/>
           </a:p>
@@ -25426,8 +25470,8 @@
               </a:lnSpc>
             </a:pPr>
             <a:r>
-              <a:rPr lang="en-US" spc="10"/>
-              <a:t>Winter 2023</a:t>
+              <a:rPr lang="en-US" spc="10" smtClean="0"/>
+              <a:t>Winter 2024</a:t>
             </a:r>
             <a:endParaRPr spc="-20" dirty="0"/>
           </a:p>
@@ -25942,7 +25986,7 @@
           <p:nvPr>
             <p:extLst>
               <p:ext uri="{D42A27DB-BD31-4B8C-83A1-F6EECF244321}">
-                <p14:modId xmlns:p14="http://schemas.microsoft.com/office/powerpoint/2010/main" val="1598884040"/>
+                <p14:modId xmlns:p14="http://schemas.microsoft.com/office/powerpoint/2010/main" val="2256823444"/>
               </p:ext>
             </p:extLst>
           </p:nvPr>
@@ -26316,28 +26360,14 @@
                         <a:t> </a:t>
                       </a:r>
                       <a:r>
-                        <a:rPr sz="1100" spc="-5" dirty="0">
+                        <a:rPr lang="en-US" sz="1100" spc="-5" dirty="0" smtClean="0">
                           <a:latin typeface="Microsoft Sans Serif"/>
                           <a:cs typeface="Microsoft Sans Serif"/>
                         </a:rPr>
-                        <a:t>-</a:t>
+                        <a:t>– 3</a:t>
                       </a:r>
                       <a:r>
-                        <a:rPr sz="1100" spc="65" dirty="0">
-                          <a:latin typeface="Microsoft Sans Serif"/>
-                          <a:cs typeface="Microsoft Sans Serif"/>
-                        </a:rPr>
-                        <a:t> </a:t>
-                      </a:r>
-                      <a:r>
-                        <a:rPr sz="1100" spc="-70" dirty="0">
-                          <a:latin typeface="Microsoft Sans Serif"/>
-                          <a:cs typeface="Microsoft Sans Serif"/>
-                        </a:rPr>
-                        <a:t>4</a:t>
-                      </a:r>
-                      <a:r>
-                        <a:rPr sz="1100" spc="60" dirty="0">
+                        <a:rPr sz="1100" spc="60" dirty="0" smtClean="0">
                           <a:latin typeface="Microsoft Sans Serif"/>
                           <a:cs typeface="Microsoft Sans Serif"/>
                         </a:rPr>
@@ -26974,50 +27004,6 @@
       </p:sp>
       <p:sp>
         <p:nvSpPr>
-          <p:cNvPr id="14" name="object 12">
-            <a:extLst>
-              <a:ext uri="{FF2B5EF4-FFF2-40B4-BE49-F238E27FC236}">
-                <a16:creationId xmlns:a16="http://schemas.microsoft.com/office/drawing/2014/main" id="{8218D3A0-4D33-E1B3-878F-281A349C2C12}"/>
-              </a:ext>
-            </a:extLst>
-          </p:cNvPr>
-          <p:cNvSpPr txBox="1">
-            <a:spLocks noGrp="1"/>
-          </p:cNvSpPr>
-          <p:nvPr>
-            <p:ph type="dt" sz="half" idx="6"/>
-          </p:nvPr>
-        </p:nvSpPr>
-        <p:spPr>
-          <a:xfrm>
-            <a:off x="1506397" y="3351784"/>
-            <a:ext cx="443230" cy="89768"/>
-          </a:xfrm>
-          <a:prstGeom prst="rect">
-            <a:avLst/>
-          </a:prstGeom>
-        </p:spPr>
-        <p:txBody>
-          <a:bodyPr vert="horz" wrap="square" lIns="0" tIns="0" rIns="0" bIns="0" rtlCol="0">
-            <a:spAutoFit/>
-          </a:bodyPr>
-          <a:lstStyle/>
-          <a:p>
-            <a:pPr marL="12700">
-              <a:lnSpc>
-                <a:spcPts val="675"/>
-              </a:lnSpc>
-            </a:pPr>
-            <a:r>
-              <a:rPr lang="en-US" spc="10"/>
-              <a:t>Winter 2023</a:t>
-            </a:r>
-            <a:endParaRPr spc="-20" dirty="0"/>
-          </a:p>
-        </p:txBody>
-      </p:sp>
-      <p:sp>
-        <p:nvSpPr>
           <p:cNvPr id="15" name="Footer Placeholder 10">
             <a:extLst>
               <a:ext uri="{FF2B5EF4-FFF2-40B4-BE49-F238E27FC236}">
@@ -27113,6 +27099,34 @@
               <a:rPr lang="en-US" spc="-20" dirty="0"/>
               <a:t>20</a:t>
             </a:r>
+          </a:p>
+        </p:txBody>
+      </p:sp>
+      <p:sp>
+        <p:nvSpPr>
+          <p:cNvPr id="12" name="Date Placeholder 11"/>
+          <p:cNvSpPr>
+            <a:spLocks noGrp="1"/>
+          </p:cNvSpPr>
+          <p:nvPr>
+            <p:ph type="dt" sz="half" idx="6"/>
+          </p:nvPr>
+        </p:nvSpPr>
+        <p:spPr/>
+        <p:txBody>
+          <a:bodyPr/>
+          <a:lstStyle/>
+          <a:p>
+            <a:pPr marL="12700">
+              <a:lnSpc>
+                <a:spcPts val="675"/>
+              </a:lnSpc>
+            </a:pPr>
+            <a:r>
+              <a:rPr lang="en-US" spc="10" smtClean="0"/>
+              <a:t>Winter 2024</a:t>
+            </a:r>
+            <a:endParaRPr lang="en-US" spc="-20" dirty="0"/>
           </a:p>
         </p:txBody>
       </p:sp>
@@ -28637,8 +28651,8 @@
               </a:lnSpc>
             </a:pPr>
             <a:r>
-              <a:rPr lang="en-US" spc="10"/>
-              <a:t>Winter 2023</a:t>
+              <a:rPr lang="en-US" spc="10" smtClean="0"/>
+              <a:t>Winter 2024</a:t>
             </a:r>
             <a:endParaRPr spc="-20" dirty="0"/>
           </a:p>
@@ -30346,8 +30360,8 @@
               </a:lnSpc>
             </a:pPr>
             <a:r>
-              <a:rPr lang="en-US" spc="10"/>
-              <a:t>Winter 2023</a:t>
+              <a:rPr lang="en-US" spc="10" smtClean="0"/>
+              <a:t>Winter 2024</a:t>
             </a:r>
             <a:endParaRPr spc="-20" dirty="0"/>
           </a:p>
@@ -31139,8 +31153,8 @@
               </a:lnSpc>
             </a:pPr>
             <a:r>
-              <a:rPr lang="en-US" spc="10"/>
-              <a:t>Winter 2023</a:t>
+              <a:rPr lang="en-US" spc="10" smtClean="0"/>
+              <a:t>Winter 2024</a:t>
             </a:r>
             <a:endParaRPr spc="-20" dirty="0"/>
           </a:p>
@@ -31938,8 +31952,8 @@
               </a:lnSpc>
             </a:pPr>
             <a:r>
-              <a:rPr lang="en-US" spc="10"/>
-              <a:t>Winter 2023</a:t>
+              <a:rPr lang="en-US" spc="10" smtClean="0"/>
+              <a:t>Winter 2024</a:t>
             </a:r>
             <a:endParaRPr spc="-20" dirty="0"/>
           </a:p>

--- a/lab_content/Lab_01_Slides.pptx
+++ b/lab_content/Lab_01_Slides.pptx
@@ -25113,7 +25113,7 @@
         <p:spPr>
           <a:xfrm>
             <a:off x="1298254" y="2251645"/>
-            <a:ext cx="1990089" cy="686663"/>
+            <a:ext cx="1990089" cy="698781"/>
           </a:xfrm>
           <a:prstGeom prst="rect">
             <a:avLst/>
@@ -25174,11 +25174,18 @@
               </a:lnSpc>
             </a:pPr>
             <a:r>
+              <a:rPr lang="en-US" sz="1100" spc="-50" dirty="0" smtClean="0">
+                <a:latin typeface="Microsoft Sans Serif"/>
+                <a:cs typeface="Microsoft Sans Serif"/>
+              </a:rPr>
+              <a:t>Sunday </a:t>
+            </a:r>
+            <a:r>
               <a:rPr lang="en-US" sz="1100" spc="-50" dirty="0">
                 <a:latin typeface="Microsoft Sans Serif"/>
                 <a:cs typeface="Microsoft Sans Serif"/>
               </a:rPr>
-              <a:t>Monday 3</a:t>
+              <a:t>3</a:t>
             </a:r>
             <a:r>
               <a:rPr lang="en-US" sz="1100" spc="-50" baseline="30000" dirty="0">
